--- a/00.Document/02. 프리 프로덕션/01. 기획서/[우정윤,허지훈]시스템_리소스.pptx
+++ b/00.Document/02. 프리 프로덕션/01. 기획서/[우정윤,허지훈]시스템_리소스.pptx
@@ -6,8 +6,9 @@
   </p:sldMasterIdLst>
   <p:sldIdLst>
     <p:sldId id="256" r:id="rId2"/>
-    <p:sldId id="257" r:id="rId3"/>
-    <p:sldId id="258" r:id="rId4"/>
+    <p:sldId id="259" r:id="rId3"/>
+    <p:sldId id="257" r:id="rId4"/>
+    <p:sldId id="258" r:id="rId5"/>
   </p:sldIdLst>
   <p:sldSz cx="9144000" cy="6858000" type="screen4x3"/>
   <p:notesSz cx="6858000" cy="9144000"/>
@@ -290,7 +291,7 @@
           <a:p>
             <a:fld id="{5BFACF18-0FC4-408F-9873-A5C5A6C3D95D}" type="datetimeFigureOut">
               <a:rPr lang="ko-KR" altLang="en-US" smtClean="0"/>
-              <a:t>2018-04-10</a:t>
+              <a:t>2018-04-11</a:t>
             </a:fld>
             <a:endParaRPr lang="ko-KR" altLang="en-US"/>
           </a:p>
@@ -460,7 +461,7 @@
           <a:p>
             <a:fld id="{5BFACF18-0FC4-408F-9873-A5C5A6C3D95D}" type="datetimeFigureOut">
               <a:rPr lang="ko-KR" altLang="en-US" smtClean="0"/>
-              <a:t>2018-04-10</a:t>
+              <a:t>2018-04-11</a:t>
             </a:fld>
             <a:endParaRPr lang="ko-KR" altLang="en-US"/>
           </a:p>
@@ -640,7 +641,7 @@
           <a:p>
             <a:fld id="{5BFACF18-0FC4-408F-9873-A5C5A6C3D95D}" type="datetimeFigureOut">
               <a:rPr lang="ko-KR" altLang="en-US" smtClean="0"/>
-              <a:t>2018-04-10</a:t>
+              <a:t>2018-04-11</a:t>
             </a:fld>
             <a:endParaRPr lang="ko-KR" altLang="en-US"/>
           </a:p>
@@ -810,7 +811,7 @@
           <a:p>
             <a:fld id="{5BFACF18-0FC4-408F-9873-A5C5A6C3D95D}" type="datetimeFigureOut">
               <a:rPr lang="ko-KR" altLang="en-US" smtClean="0"/>
-              <a:t>2018-04-10</a:t>
+              <a:t>2018-04-11</a:t>
             </a:fld>
             <a:endParaRPr lang="ko-KR" altLang="en-US"/>
           </a:p>
@@ -1056,7 +1057,7 @@
           <a:p>
             <a:fld id="{5BFACF18-0FC4-408F-9873-A5C5A6C3D95D}" type="datetimeFigureOut">
               <a:rPr lang="ko-KR" altLang="en-US" smtClean="0"/>
-              <a:t>2018-04-10</a:t>
+              <a:t>2018-04-11</a:t>
             </a:fld>
             <a:endParaRPr lang="ko-KR" altLang="en-US"/>
           </a:p>
@@ -1344,7 +1345,7 @@
           <a:p>
             <a:fld id="{5BFACF18-0FC4-408F-9873-A5C5A6C3D95D}" type="datetimeFigureOut">
               <a:rPr lang="ko-KR" altLang="en-US" smtClean="0"/>
-              <a:t>2018-04-10</a:t>
+              <a:t>2018-04-11</a:t>
             </a:fld>
             <a:endParaRPr lang="ko-KR" altLang="en-US"/>
           </a:p>
@@ -1766,7 +1767,7 @@
           <a:p>
             <a:fld id="{5BFACF18-0FC4-408F-9873-A5C5A6C3D95D}" type="datetimeFigureOut">
               <a:rPr lang="ko-KR" altLang="en-US" smtClean="0"/>
-              <a:t>2018-04-10</a:t>
+              <a:t>2018-04-11</a:t>
             </a:fld>
             <a:endParaRPr lang="ko-KR" altLang="en-US"/>
           </a:p>
@@ -1884,7 +1885,7 @@
           <a:p>
             <a:fld id="{5BFACF18-0FC4-408F-9873-A5C5A6C3D95D}" type="datetimeFigureOut">
               <a:rPr lang="ko-KR" altLang="en-US" smtClean="0"/>
-              <a:t>2018-04-10</a:t>
+              <a:t>2018-04-11</a:t>
             </a:fld>
             <a:endParaRPr lang="ko-KR" altLang="en-US"/>
           </a:p>
@@ -1979,7 +1980,7 @@
           <a:p>
             <a:fld id="{5BFACF18-0FC4-408F-9873-A5C5A6C3D95D}" type="datetimeFigureOut">
               <a:rPr lang="ko-KR" altLang="en-US" smtClean="0"/>
-              <a:t>2018-04-10</a:t>
+              <a:t>2018-04-11</a:t>
             </a:fld>
             <a:endParaRPr lang="ko-KR" altLang="en-US"/>
           </a:p>
@@ -2256,7 +2257,7 @@
           <a:p>
             <a:fld id="{5BFACF18-0FC4-408F-9873-A5C5A6C3D95D}" type="datetimeFigureOut">
               <a:rPr lang="ko-KR" altLang="en-US" smtClean="0"/>
-              <a:t>2018-04-10</a:t>
+              <a:t>2018-04-11</a:t>
             </a:fld>
             <a:endParaRPr lang="ko-KR" altLang="en-US"/>
           </a:p>
@@ -2509,7 +2510,7 @@
           <a:p>
             <a:fld id="{5BFACF18-0FC4-408F-9873-A5C5A6C3D95D}" type="datetimeFigureOut">
               <a:rPr lang="ko-KR" altLang="en-US" smtClean="0"/>
-              <a:t>2018-04-10</a:t>
+              <a:t>2018-04-11</a:t>
             </a:fld>
             <a:endParaRPr lang="ko-KR" altLang="en-US"/>
           </a:p>
@@ -2722,7 +2723,7 @@
           <a:p>
             <a:fld id="{5BFACF18-0FC4-408F-9873-A5C5A6C3D95D}" type="datetimeFigureOut">
               <a:rPr lang="ko-KR" altLang="en-US" smtClean="0"/>
-              <a:t>2018-04-10</a:t>
+              <a:t>2018-04-11</a:t>
             </a:fld>
             <a:endParaRPr lang="ko-KR" altLang="en-US"/>
           </a:p>
@@ -3663,6 +3664,451 @@
       </p:grpSpPr>
       <p:grpSp>
         <p:nvGrpSpPr>
+          <p:cNvPr id="18" name="그룹 17"/>
+          <p:cNvGrpSpPr/>
+          <p:nvPr/>
+        </p:nvGrpSpPr>
+        <p:grpSpPr>
+          <a:xfrm>
+            <a:off x="971600" y="980728"/>
+            <a:ext cx="7200800" cy="4608512"/>
+            <a:chOff x="971600" y="980728"/>
+            <a:chExt cx="7200800" cy="4608512"/>
+          </a:xfrm>
+        </p:grpSpPr>
+        <p:grpSp>
+          <p:nvGrpSpPr>
+            <p:cNvPr id="14" name="그룹 13"/>
+            <p:cNvGrpSpPr/>
+            <p:nvPr/>
+          </p:nvGrpSpPr>
+          <p:grpSpPr>
+            <a:xfrm>
+              <a:off x="971600" y="1268760"/>
+              <a:ext cx="7200800" cy="4320480"/>
+              <a:chOff x="971600" y="1268760"/>
+              <a:chExt cx="7200800" cy="4320480"/>
+            </a:xfrm>
+          </p:grpSpPr>
+          <p:sp>
+            <p:nvSpPr>
+              <p:cNvPr id="4" name="직사각형 3"/>
+              <p:cNvSpPr/>
+              <p:nvPr/>
+            </p:nvSpPr>
+            <p:spPr>
+              <a:xfrm>
+                <a:off x="971600" y="1268760"/>
+                <a:ext cx="7200800" cy="4320480"/>
+              </a:xfrm>
+              <a:prstGeom prst="rect">
+                <a:avLst/>
+              </a:prstGeom>
+              <a:ln>
+                <a:solidFill>
+                  <a:schemeClr val="tx1"/>
+                </a:solidFill>
+              </a:ln>
+            </p:spPr>
+            <p:style>
+              <a:lnRef idx="2">
+                <a:schemeClr val="accent1">
+                  <a:shade val="50000"/>
+                </a:schemeClr>
+              </a:lnRef>
+              <a:fillRef idx="1">
+                <a:schemeClr val="accent1"/>
+              </a:fillRef>
+              <a:effectRef idx="0">
+                <a:schemeClr val="accent1"/>
+              </a:effectRef>
+              <a:fontRef idx="minor">
+                <a:schemeClr val="lt1"/>
+              </a:fontRef>
+            </p:style>
+            <p:txBody>
+              <a:bodyPr rtlCol="0" anchor="ctr"/>
+              <a:lstStyle/>
+              <a:p>
+                <a:pPr algn="ctr"/>
+                <a:endParaRPr lang="ko-KR" altLang="en-US"/>
+              </a:p>
+            </p:txBody>
+          </p:sp>
+          <p:sp>
+            <p:nvSpPr>
+              <p:cNvPr id="8" name="사각형 설명선 7"/>
+              <p:cNvSpPr/>
+              <p:nvPr/>
+            </p:nvSpPr>
+            <p:spPr>
+              <a:xfrm>
+                <a:off x="3622047" y="2720405"/>
+                <a:ext cx="360040" cy="432048"/>
+              </a:xfrm>
+              <a:prstGeom prst="wedgeRectCallout">
+                <a:avLst>
+                  <a:gd name="adj1" fmla="val 72610"/>
+                  <a:gd name="adj2" fmla="val 84463"/>
+                </a:avLst>
+              </a:prstGeom>
+              <a:noFill/>
+              <a:ln>
+                <a:solidFill>
+                  <a:schemeClr val="tx1"/>
+                </a:solidFill>
+              </a:ln>
+            </p:spPr>
+            <p:style>
+              <a:lnRef idx="2">
+                <a:schemeClr val="accent1">
+                  <a:shade val="50000"/>
+                </a:schemeClr>
+              </a:lnRef>
+              <a:fillRef idx="1">
+                <a:schemeClr val="accent1"/>
+              </a:fillRef>
+              <a:effectRef idx="0">
+                <a:schemeClr val="accent1"/>
+              </a:effectRef>
+              <a:fontRef idx="minor">
+                <a:schemeClr val="lt1"/>
+              </a:fontRef>
+            </p:style>
+            <p:txBody>
+              <a:bodyPr rtlCol="0" anchor="ctr"/>
+              <a:lstStyle/>
+              <a:p>
+                <a:pPr algn="ctr"/>
+                <a:r>
+                  <a:rPr lang="en-US" altLang="ko-KR" sz="3600" b="1" dirty="0" smtClean="0">
+                    <a:solidFill>
+                      <a:schemeClr val="tx1"/>
+                    </a:solidFill>
+                  </a:rPr>
+                  <a:t>1</a:t>
+                </a:r>
+                <a:endParaRPr lang="ko-KR" altLang="en-US" b="1" dirty="0">
+                  <a:solidFill>
+                    <a:schemeClr val="tx1"/>
+                  </a:solidFill>
+                </a:endParaRPr>
+              </a:p>
+            </p:txBody>
+          </p:sp>
+          <p:sp>
+            <p:nvSpPr>
+              <p:cNvPr id="9" name="직사각형 8"/>
+              <p:cNvSpPr/>
+              <p:nvPr/>
+            </p:nvSpPr>
+            <p:spPr>
+              <a:xfrm flipV="1">
+                <a:off x="4139952" y="3140968"/>
+                <a:ext cx="864096" cy="575624"/>
+              </a:xfrm>
+              <a:prstGeom prst="rect">
+                <a:avLst/>
+              </a:prstGeom>
+              <a:noFill/>
+              <a:ln>
+                <a:solidFill>
+                  <a:schemeClr val="tx1"/>
+                </a:solidFill>
+                <a:prstDash val="sysDash"/>
+              </a:ln>
+            </p:spPr>
+            <p:style>
+              <a:lnRef idx="2">
+                <a:schemeClr val="accent1">
+                  <a:shade val="50000"/>
+                </a:schemeClr>
+              </a:lnRef>
+              <a:fillRef idx="1">
+                <a:schemeClr val="accent1"/>
+              </a:fillRef>
+              <a:effectRef idx="0">
+                <a:schemeClr val="accent1"/>
+              </a:effectRef>
+              <a:fontRef idx="minor">
+                <a:schemeClr val="lt1"/>
+              </a:fontRef>
+            </p:style>
+            <p:txBody>
+              <a:bodyPr rtlCol="0" anchor="ctr"/>
+              <a:lstStyle/>
+              <a:p>
+                <a:pPr algn="ctr"/>
+                <a:endParaRPr lang="ko-KR" altLang="en-US"/>
+              </a:p>
+            </p:txBody>
+          </p:sp>
+        </p:grpSp>
+        <p:pic>
+          <p:nvPicPr>
+            <p:cNvPr id="15" name="Picture 2" descr="C:\Users\6kigs_25\Desktop\KakaoTalk_20180409_203256419.png"/>
+            <p:cNvPicPr>
+              <a:picLocks noChangeAspect="1" noChangeArrowheads="1"/>
+            </p:cNvPicPr>
+            <p:nvPr/>
+          </p:nvPicPr>
+          <p:blipFill>
+            <a:blip r:embed="rId2" cstate="print">
+              <a:extLst>
+                <a:ext uri="{28A0092B-C50C-407E-A947-70E740481C1C}">
+                  <a14:useLocalDpi xmlns:a14="http://schemas.microsoft.com/office/drawing/2010/main" val="0"/>
+                </a:ext>
+              </a:extLst>
+            </a:blip>
+            <a:srcRect/>
+            <a:stretch>
+              <a:fillRect/>
+            </a:stretch>
+          </p:blipFill>
+          <p:spPr bwMode="auto">
+            <a:xfrm>
+              <a:off x="4248184" y="3068960"/>
+              <a:ext cx="647632" cy="647632"/>
+            </a:xfrm>
+            <a:prstGeom prst="rect">
+              <a:avLst/>
+            </a:prstGeom>
+            <a:noFill/>
+            <a:extLst>
+              <a:ext uri="{909E8E84-426E-40DD-AFC4-6F175D3DCCD1}">
+                <a14:hiddenFill xmlns:a14="http://schemas.microsoft.com/office/drawing/2010/main">
+                  <a:solidFill>
+                    <a:srgbClr val="FFFFFF"/>
+                  </a:solidFill>
+                </a14:hiddenFill>
+              </a:ext>
+            </a:extLst>
+          </p:spPr>
+        </p:pic>
+        <p:sp>
+          <p:nvSpPr>
+            <p:cNvPr id="2" name="직사각형 1"/>
+            <p:cNvSpPr/>
+            <p:nvPr/>
+          </p:nvSpPr>
+          <p:spPr>
+            <a:xfrm>
+              <a:off x="3275856" y="1412776"/>
+              <a:ext cx="2592288" cy="288032"/>
+            </a:xfrm>
+            <a:prstGeom prst="rect">
+              <a:avLst/>
+            </a:prstGeom>
+          </p:spPr>
+          <p:style>
+            <a:lnRef idx="2">
+              <a:schemeClr val="accent1">
+                <a:shade val="50000"/>
+              </a:schemeClr>
+            </a:lnRef>
+            <a:fillRef idx="1">
+              <a:schemeClr val="accent1"/>
+            </a:fillRef>
+            <a:effectRef idx="0">
+              <a:schemeClr val="accent1"/>
+            </a:effectRef>
+            <a:fontRef idx="minor">
+              <a:schemeClr val="lt1"/>
+            </a:fontRef>
+          </p:style>
+          <p:txBody>
+            <a:bodyPr rtlCol="0" anchor="ctr"/>
+            <a:lstStyle/>
+            <a:p>
+              <a:pPr algn="ctr"/>
+              <a:endParaRPr lang="ko-KR" altLang="en-US"/>
+            </a:p>
+          </p:txBody>
+        </p:sp>
+        <p:sp>
+          <p:nvSpPr>
+            <p:cNvPr id="3" name="직사각형 2"/>
+            <p:cNvSpPr/>
+            <p:nvPr/>
+          </p:nvSpPr>
+          <p:spPr>
+            <a:xfrm>
+              <a:off x="3275856" y="1412776"/>
+              <a:ext cx="2088232" cy="288032"/>
+            </a:xfrm>
+            <a:prstGeom prst="rect">
+              <a:avLst/>
+            </a:prstGeom>
+            <a:solidFill>
+              <a:schemeClr val="accent2"/>
+            </a:solidFill>
+          </p:spPr>
+          <p:style>
+            <a:lnRef idx="2">
+              <a:schemeClr val="accent1">
+                <a:shade val="50000"/>
+              </a:schemeClr>
+            </a:lnRef>
+            <a:fillRef idx="1">
+              <a:schemeClr val="accent1"/>
+            </a:fillRef>
+            <a:effectRef idx="0">
+              <a:schemeClr val="accent1"/>
+            </a:effectRef>
+            <a:fontRef idx="minor">
+              <a:schemeClr val="lt1"/>
+            </a:fontRef>
+          </p:style>
+          <p:txBody>
+            <a:bodyPr rtlCol="0" anchor="ctr"/>
+            <a:lstStyle/>
+            <a:p>
+              <a:pPr algn="ctr"/>
+              <a:endParaRPr lang="ko-KR" altLang="en-US"/>
+            </a:p>
+          </p:txBody>
+        </p:sp>
+        <p:sp>
+          <p:nvSpPr>
+            <p:cNvPr id="16" name="사각형 설명선 15"/>
+            <p:cNvSpPr/>
+            <p:nvPr/>
+          </p:nvSpPr>
+          <p:spPr>
+            <a:xfrm>
+              <a:off x="2771800" y="980728"/>
+              <a:ext cx="360040" cy="432048"/>
+            </a:xfrm>
+            <a:prstGeom prst="wedgeRectCallout">
+              <a:avLst>
+                <a:gd name="adj1" fmla="val 48650"/>
+                <a:gd name="adj2" fmla="val 84463"/>
+              </a:avLst>
+            </a:prstGeom>
+            <a:noFill/>
+            <a:ln>
+              <a:solidFill>
+                <a:schemeClr val="tx1"/>
+              </a:solidFill>
+            </a:ln>
+          </p:spPr>
+          <p:style>
+            <a:lnRef idx="2">
+              <a:schemeClr val="accent1">
+                <a:shade val="50000"/>
+              </a:schemeClr>
+            </a:lnRef>
+            <a:fillRef idx="1">
+              <a:schemeClr val="accent1"/>
+            </a:fillRef>
+            <a:effectRef idx="0">
+              <a:schemeClr val="accent1"/>
+            </a:effectRef>
+            <a:fontRef idx="minor">
+              <a:schemeClr val="lt1"/>
+            </a:fontRef>
+          </p:style>
+          <p:txBody>
+            <a:bodyPr rtlCol="0" anchor="ctr"/>
+            <a:lstStyle/>
+            <a:p>
+              <a:pPr algn="ctr"/>
+              <a:r>
+                <a:rPr lang="en-US" altLang="ko-KR" sz="3600" b="1" dirty="0" smtClean="0">
+                  <a:solidFill>
+                    <a:schemeClr val="tx1"/>
+                  </a:solidFill>
+                </a:rPr>
+                <a:t>2</a:t>
+              </a:r>
+              <a:endParaRPr lang="ko-KR" altLang="en-US" b="1" dirty="0">
+                <a:solidFill>
+                  <a:schemeClr val="tx1"/>
+                </a:solidFill>
+              </a:endParaRPr>
+            </a:p>
+          </p:txBody>
+        </p:sp>
+        <p:sp>
+          <p:nvSpPr>
+            <p:cNvPr id="17" name="직사각형 16"/>
+            <p:cNvSpPr/>
+            <p:nvPr/>
+          </p:nvSpPr>
+          <p:spPr>
+            <a:xfrm flipV="1">
+              <a:off x="3190076" y="1340768"/>
+              <a:ext cx="2750075" cy="432048"/>
+            </a:xfrm>
+            <a:prstGeom prst="rect">
+              <a:avLst/>
+            </a:prstGeom>
+            <a:noFill/>
+            <a:ln>
+              <a:solidFill>
+                <a:schemeClr val="tx1"/>
+              </a:solidFill>
+              <a:prstDash val="sysDash"/>
+            </a:ln>
+          </p:spPr>
+          <p:style>
+            <a:lnRef idx="2">
+              <a:schemeClr val="accent1">
+                <a:shade val="50000"/>
+              </a:schemeClr>
+            </a:lnRef>
+            <a:fillRef idx="1">
+              <a:schemeClr val="accent1"/>
+            </a:fillRef>
+            <a:effectRef idx="0">
+              <a:schemeClr val="accent1"/>
+            </a:effectRef>
+            <a:fontRef idx="minor">
+              <a:schemeClr val="lt1"/>
+            </a:fontRef>
+          </p:style>
+          <p:txBody>
+            <a:bodyPr rtlCol="0" anchor="ctr"/>
+            <a:lstStyle/>
+            <a:p>
+              <a:pPr algn="ctr"/>
+              <a:endParaRPr lang="ko-KR" altLang="en-US"/>
+            </a:p>
+          </p:txBody>
+        </p:sp>
+      </p:grpSp>
+    </p:spTree>
+    <p:extLst>
+      <p:ext uri="{BB962C8B-B14F-4D97-AF65-F5344CB8AC3E}">
+        <p14:creationId xmlns:p14="http://schemas.microsoft.com/office/powerpoint/2010/main" val="1297266467"/>
+      </p:ext>
+    </p:extLst>
+  </p:cSld>
+  <p:clrMapOvr>
+    <a:masterClrMapping/>
+  </p:clrMapOvr>
+</p:sld>
+</file>
+
+<file path=ppt/slides/slide3.xml><?xml version="1.0" encoding="utf-8"?>
+<p:sld xmlns:a="http://schemas.openxmlformats.org/drawingml/2006/main" xmlns:r="http://schemas.openxmlformats.org/officeDocument/2006/relationships" xmlns:p="http://schemas.openxmlformats.org/presentationml/2006/main">
+  <p:cSld>
+    <p:spTree>
+      <p:nvGrpSpPr>
+        <p:cNvPr id="1" name=""/>
+        <p:cNvGrpSpPr/>
+        <p:nvPr/>
+      </p:nvGrpSpPr>
+      <p:grpSpPr>
+        <a:xfrm>
+          <a:off x="0" y="0"/>
+          <a:ext cx="0" cy="0"/>
+          <a:chOff x="0" y="0"/>
+          <a:chExt cx="0" cy="0"/>
+        </a:xfrm>
+      </p:grpSpPr>
+      <p:grpSp>
+        <p:nvGrpSpPr>
           <p:cNvPr id="9" name="그룹 8"/>
           <p:cNvGrpSpPr/>
           <p:nvPr/>
@@ -3859,7 +4305,7 @@
 </p:sld>
 </file>
 
-<file path=ppt/slides/slide3.xml><?xml version="1.0" encoding="utf-8"?>
+<file path=ppt/slides/slide4.xml><?xml version="1.0" encoding="utf-8"?>
 <p:sld xmlns:a="http://schemas.openxmlformats.org/drawingml/2006/main" xmlns:r="http://schemas.openxmlformats.org/officeDocument/2006/relationships" xmlns:p="http://schemas.openxmlformats.org/presentationml/2006/main">
   <p:cSld>
     <p:spTree>

--- a/00.Document/02. 프리 프로덕션/01. 기획서/[우정윤,허지훈]시스템_리소스.pptx
+++ b/00.Document/02. 프리 프로덕션/01. 기획서/[우정윤,허지훈]시스템_리소스.pptx
@@ -4324,16 +4324,16 @@
       </p:grpSpPr>
       <p:grpSp>
         <p:nvGrpSpPr>
-          <p:cNvPr id="22" name="그룹 21"/>
+          <p:cNvPr id="2" name="그룹 1"/>
           <p:cNvGrpSpPr/>
           <p:nvPr/>
         </p:nvGrpSpPr>
         <p:grpSpPr>
           <a:xfrm>
             <a:off x="1835696" y="404664"/>
-            <a:ext cx="5697258" cy="5004496"/>
+            <a:ext cx="5697258" cy="5100046"/>
             <a:chOff x="1835696" y="404664"/>
-            <a:chExt cx="5697258" cy="5004496"/>
+            <a:chExt cx="5697258" cy="5100046"/>
           </a:xfrm>
         </p:grpSpPr>
         <p:sp>
@@ -4761,7 +4761,7 @@
           </p:nvSpPr>
           <p:spPr>
             <a:xfrm>
-              <a:off x="2699792" y="1557710"/>
+              <a:off x="2699792" y="4424708"/>
               <a:ext cx="864096" cy="862260"/>
             </a:xfrm>
             <a:prstGeom prst="sun">
@@ -4856,7 +4856,7 @@
           </p:nvSpPr>
           <p:spPr>
             <a:xfrm>
-              <a:off x="2483768" y="1340769"/>
+              <a:off x="2483768" y="4207767"/>
               <a:ext cx="1296144" cy="1296144"/>
             </a:xfrm>
             <a:prstGeom prst="rect">
@@ -4903,7 +4903,7 @@
           </p:nvSpPr>
           <p:spPr>
             <a:xfrm>
-              <a:off x="3932312" y="1341568"/>
+              <a:off x="3932312" y="4208566"/>
               <a:ext cx="1296144" cy="1296144"/>
             </a:xfrm>
             <a:prstGeom prst="rect">
@@ -4950,7 +4950,7 @@
           </p:nvSpPr>
           <p:spPr>
             <a:xfrm>
-              <a:off x="1835696" y="620688"/>
+              <a:off x="1835696" y="3487686"/>
               <a:ext cx="648072" cy="576064"/>
             </a:xfrm>
             <a:prstGeom prst="wedgeRectCallout">
@@ -5006,7 +5006,7 @@
           </p:nvSpPr>
           <p:spPr>
             <a:xfrm>
-              <a:off x="3707964" y="525938"/>
+              <a:off x="3707964" y="3392936"/>
               <a:ext cx="648072" cy="576064"/>
             </a:xfrm>
             <a:prstGeom prst="wedgeRectCallout">
